--- a/Разработка клиент-серверное приложения по планированию закупок на очередной.pptx
+++ b/Разработка клиент-серверное приложения по планированию закупок на очередной.pptx
@@ -11,7 +11,8 @@
     <p:sldId id="259" r:id="rId5"/>
     <p:sldId id="260" r:id="rId6"/>
     <p:sldId id="262" r:id="rId7"/>
-    <p:sldId id="261" r:id="rId8"/>
+    <p:sldId id="263" r:id="rId8"/>
+    <p:sldId id="261" r:id="rId9"/>
   </p:sldIdLst>
   <p:sldSz cx="12192000" cy="6858000"/>
   <p:notesSz cx="6858000" cy="9144000"/>
@@ -116,6 +117,32 @@
     </p:ext>
   </p:extLst>
 </p:presentation>
+</file>
+
+<file path=ppt/commentAuthors.xml><?xml version="1.0" encoding="utf-8"?>
+<p:cmAuthorLst xmlns:a="http://schemas.openxmlformats.org/drawingml/2006/main" xmlns:r="http://schemas.openxmlformats.org/officeDocument/2006/relationships" xmlns:p="http://schemas.openxmlformats.org/presentationml/2006/main">
+  <p:cmAuthor id="1" name="Alexey Lebedev" initials="AL" lastIdx="1" clrIdx="0">
+    <p:extLst>
+      <p:ext uri="{19B8F6BF-5375-455C-9EA6-DF929625EA0E}">
+        <p15:presenceInfo xmlns:p15="http://schemas.microsoft.com/office/powerpoint/2012/main" userId="bdd6c9d155bf61ad" providerId="Windows Live"/>
+      </p:ext>
+    </p:extLst>
+  </p:cmAuthor>
+</p:cmAuthorLst>
+</file>
+
+<file path=ppt/comments/comment1.xml><?xml version="1.0" encoding="utf-8"?>
+<p:cmLst xmlns:a="http://schemas.openxmlformats.org/drawingml/2006/main" xmlns:r="http://schemas.openxmlformats.org/officeDocument/2006/relationships" xmlns:p="http://schemas.openxmlformats.org/presentationml/2006/main">
+  <p:cm authorId="1" dt="2023-06-12T21:05:30.942" idx="1">
+    <p:pos x="10" y="10"/>
+    <p:text/>
+    <p:extLst>
+      <p:ext uri="{C676402C-5697-4E1C-873F-D02D1690AC5C}">
+        <p15:threadingInfo xmlns:p15="http://schemas.microsoft.com/office/powerpoint/2012/main" timeZoneBias="-180"/>
+      </p:ext>
+    </p:extLst>
+  </p:cm>
+</p:cmLst>
 </file>
 
 <file path=ppt/slideLayouts/slideLayout1.xml><?xml version="1.0" encoding="utf-8"?>
@@ -3977,6 +4004,115 @@
           <p:cNvPr id="2" name="Заголовок 1">
             <a:extLst>
               <a:ext uri="{FF2B5EF4-FFF2-40B4-BE49-F238E27FC236}">
+                <a16:creationId xmlns:a16="http://schemas.microsoft.com/office/drawing/2014/main" id="{C086D64A-EE40-4752-AC8A-9DF4A1F32E09}"/>
+              </a:ext>
+            </a:extLst>
+          </p:cNvPr>
+          <p:cNvSpPr>
+            <a:spLocks noGrp="1"/>
+          </p:cNvSpPr>
+          <p:nvPr>
+            <p:ph type="title"/>
+          </p:nvPr>
+        </p:nvSpPr>
+        <p:spPr/>
+        <p:txBody>
+          <a:bodyPr/>
+          <a:lstStyle/>
+          <a:p>
+            <a:r>
+              <a:rPr lang="ru-RU" dirty="0"/>
+              <a:t>Дальнейшее развитие	</a:t>
+            </a:r>
+          </a:p>
+        </p:txBody>
+      </p:sp>
+      <p:sp>
+        <p:nvSpPr>
+          <p:cNvPr id="3" name="Объект 2">
+            <a:extLst>
+              <a:ext uri="{FF2B5EF4-FFF2-40B4-BE49-F238E27FC236}">
+                <a16:creationId xmlns:a16="http://schemas.microsoft.com/office/drawing/2014/main" id="{8417C5D4-9F84-4B01-8C9B-F2289D2CB292}"/>
+              </a:ext>
+            </a:extLst>
+          </p:cNvPr>
+          <p:cNvSpPr>
+            <a:spLocks noGrp="1"/>
+          </p:cNvSpPr>
+          <p:nvPr>
+            <p:ph idx="1"/>
+          </p:nvPr>
+        </p:nvSpPr>
+        <p:spPr/>
+        <p:txBody>
+          <a:bodyPr/>
+          <a:lstStyle/>
+          <a:p>
+            <a:r>
+              <a:rPr lang="ru-RU" dirty="0"/>
+              <a:t>Упрощение процедуры добавления товаров</a:t>
+            </a:r>
+          </a:p>
+          <a:p>
+            <a:r>
+              <a:rPr lang="ru-RU" dirty="0"/>
+              <a:t>Уведомления об изменении статуса заявки для пользователей</a:t>
+            </a:r>
+          </a:p>
+          <a:p>
+            <a:r>
+              <a:rPr lang="ru-RU" dirty="0"/>
+              <a:t>Режим полного экрана</a:t>
+            </a:r>
+          </a:p>
+          <a:p>
+            <a:r>
+              <a:rPr lang="ru-RU" dirty="0"/>
+              <a:t>Сохранение </a:t>
+            </a:r>
+            <a:r>
+              <a:rPr lang="ru-RU"/>
+              <a:t>настроек пользователя</a:t>
+            </a:r>
+            <a:endParaRPr lang="ru-RU" dirty="0"/>
+          </a:p>
+        </p:txBody>
+      </p:sp>
+    </p:spTree>
+    <p:extLst>
+      <p:ext uri="{BB962C8B-B14F-4D97-AF65-F5344CB8AC3E}">
+        <p14:creationId xmlns:p14="http://schemas.microsoft.com/office/powerpoint/2010/main" val="939332773"/>
+      </p:ext>
+    </p:extLst>
+  </p:cSld>
+  <p:clrMapOvr>
+    <a:masterClrMapping/>
+  </p:clrMapOvr>
+</p:sld>
+</file>
+
+<file path=ppt/slides/slide8.xml><?xml version="1.0" encoding="utf-8"?>
+<p:sld xmlns:a="http://schemas.openxmlformats.org/drawingml/2006/main" xmlns:r="http://schemas.openxmlformats.org/officeDocument/2006/relationships" xmlns:p="http://schemas.openxmlformats.org/presentationml/2006/main">
+  <p:cSld>
+    <p:spTree>
+      <p:nvGrpSpPr>
+        <p:cNvPr id="1" name=""/>
+        <p:cNvGrpSpPr/>
+        <p:nvPr/>
+      </p:nvGrpSpPr>
+      <p:grpSpPr>
+        <a:xfrm>
+          <a:off x="0" y="0"/>
+          <a:ext cx="0" cy="0"/>
+          <a:chOff x="0" y="0"/>
+          <a:chExt cx="0" cy="0"/>
+        </a:xfrm>
+      </p:grpSpPr>
+      <p:sp>
+        <p:nvSpPr>
+          <p:cNvPr id="2" name="Заголовок 1">
+            <a:extLst>
+              <a:ext uri="{FF2B5EF4-FFF2-40B4-BE49-F238E27FC236}">
                 <a16:creationId xmlns:a16="http://schemas.microsoft.com/office/drawing/2014/main" id="{D35CD191-334C-406F-A8B5-E9C1E8BA3D23}"/>
               </a:ext>
             </a:extLst>
